--- a/FinalPresentation.pptx
+++ b/FinalPresentation.pptx
@@ -14,8 +14,8 @@
     <p:sldId id="257" r:id="rId3"/>
     <p:sldId id="276" r:id="rId4"/>
     <p:sldId id="259" r:id="rId5"/>
-    <p:sldId id="278" r:id="rId6"/>
-    <p:sldId id="267" r:id="rId7"/>
+    <p:sldId id="267" r:id="rId6"/>
+    <p:sldId id="279" r:id="rId7"/>
     <p:sldId id="277" r:id="rId8"/>
     <p:sldId id="270" r:id="rId9"/>
     <p:sldId id="272" r:id="rId10"/>
@@ -543,11 +543,11 @@
         </c:dLbls>
         <c:gapWidth val="164"/>
         <c:overlap val="-35"/>
-        <c:axId val="400065760"/>
-        <c:axId val="400064584"/>
+        <c:axId val="254216208"/>
+        <c:axId val="254212288"/>
       </c:barChart>
       <c:catAx>
-        <c:axId val="400065760"/>
+        <c:axId val="254216208"/>
         <c:scaling>
           <c:orientation val="minMax"/>
         </c:scaling>
@@ -584,7 +584,7 @@
             <a:endParaRPr lang="de-DE"/>
           </a:p>
         </c:txPr>
-        <c:crossAx val="400064584"/>
+        <c:crossAx val="254212288"/>
         <c:crosses val="autoZero"/>
         <c:auto val="1"/>
         <c:lblAlgn val="ctr"/>
@@ -592,7 +592,7 @@
         <c:noMultiLvlLbl val="0"/>
       </c:catAx>
       <c:valAx>
-        <c:axId val="400064584"/>
+        <c:axId val="254212288"/>
         <c:scaling>
           <c:orientation val="minMax"/>
         </c:scaling>
@@ -686,7 +686,7 @@
             <a:endParaRPr lang="de-DE"/>
           </a:p>
         </c:txPr>
-        <c:crossAx val="400065760"/>
+        <c:crossAx val="254216208"/>
         <c:crosses val="autoZero"/>
         <c:crossBetween val="between"/>
       </c:valAx>
@@ -7409,8 +7409,8 @@
     <dgm:cxn modelId="{7CE61A88-F361-47C6-80DC-0FCE3D69238D}" type="presOf" srcId="{095A5E99-E976-4550-8F80-53CC813F2F5A}" destId="{124EF20B-D98C-45B2-BB13-7B93B5373CEB}" srcOrd="0" destOrd="0" presId="urn:microsoft.com/office/officeart/2005/8/layout/vProcess5"/>
     <dgm:cxn modelId="{90A07350-685D-4696-9FDF-2CD60F4F7D54}" type="presOf" srcId="{44BA1C69-5399-428D-B2A7-A8454DB908F6}" destId="{A31D264E-E285-4E5C-8EB7-762CD501BE72}" srcOrd="1" destOrd="0" presId="urn:microsoft.com/office/officeart/2005/8/layout/vProcess5"/>
     <dgm:cxn modelId="{D1A4D8E6-F04E-4AB1-8D0C-63DC7AB1E81F}" srcId="{CD7942A0-B7D2-4B14-8FEA-55FC702F5BE7}" destId="{095A5E99-E976-4550-8F80-53CC813F2F5A}" srcOrd="0" destOrd="0" parTransId="{03339A0D-5DC0-4B29-8353-C5AEBFD4DE86}" sibTransId="{8877691F-1B60-4485-9174-DDEC7EE68B70}"/>
+    <dgm:cxn modelId="{9CFD3802-3DE1-4A60-BE0A-FA5270C853AE}" type="presOf" srcId="{8EC937D8-BD76-4A12-A3E5-900D5C1E2E05}" destId="{916C48CB-E452-4B79-A9B9-4C9A90B47960}" srcOrd="1" destOrd="0" presId="urn:microsoft.com/office/officeart/2005/8/layout/vProcess5"/>
     <dgm:cxn modelId="{43DC8383-AEE5-490C-A8E5-1F216F2B8FE6}" srcId="{CD7942A0-B7D2-4B14-8FEA-55FC702F5BE7}" destId="{8EC937D8-BD76-4A12-A3E5-900D5C1E2E05}" srcOrd="1" destOrd="0" parTransId="{8265EE85-9851-494E-A6D3-1CDACE947DF3}" sibTransId="{B3EFD4A5-9FA1-4ABE-B722-05162509509B}"/>
-    <dgm:cxn modelId="{9CFD3802-3DE1-4A60-BE0A-FA5270C853AE}" type="presOf" srcId="{8EC937D8-BD76-4A12-A3E5-900D5C1E2E05}" destId="{916C48CB-E452-4B79-A9B9-4C9A90B47960}" srcOrd="1" destOrd="0" presId="urn:microsoft.com/office/officeart/2005/8/layout/vProcess5"/>
     <dgm:cxn modelId="{EBE25C29-8DB6-40EB-A9EA-3402BF41E510}" type="presOf" srcId="{095A5E99-E976-4550-8F80-53CC813F2F5A}" destId="{7A2F6994-DA87-4497-BFC7-DD9D6EC5315F}" srcOrd="1" destOrd="0" presId="urn:microsoft.com/office/officeart/2005/8/layout/vProcess5"/>
     <dgm:cxn modelId="{768DB908-A4BF-48A6-A740-5DD0CBAFBB11}" type="presParOf" srcId="{1D84D8B6-AB32-4491-B5D2-EFE3D7668B88}" destId="{3E0E8213-E460-4EB7-9A92-C2B1CC553F0D}" srcOrd="0" destOrd="0" presId="urn:microsoft.com/office/officeart/2005/8/layout/vProcess5"/>
     <dgm:cxn modelId="{3C96B43A-14A3-4A14-B3E0-70A15B515A4A}" type="presParOf" srcId="{1D84D8B6-AB32-4491-B5D2-EFE3D7668B88}" destId="{124EF20B-D98C-45B2-BB13-7B93B5373CEB}" srcOrd="1" destOrd="0" presId="urn:microsoft.com/office/officeart/2005/8/layout/vProcess5"/>
@@ -7725,8 +7725,8 @@
     <dgm:cxn modelId="{4FA33CE9-7822-4A25-9629-A36BF03D48CC}" type="presOf" srcId="{8EC937D8-BD76-4A12-A3E5-900D5C1E2E05}" destId="{916C48CB-E452-4B79-A9B9-4C9A90B47960}" srcOrd="1" destOrd="0" presId="urn:microsoft.com/office/officeart/2005/8/layout/vProcess5"/>
     <dgm:cxn modelId="{ED58A06A-7C9F-491F-A8F1-BD2B6E00EE69}" type="presOf" srcId="{8877691F-1B60-4485-9174-DDEC7EE68B70}" destId="{9CA877D8-99F8-40A0-89E9-59A61C9A70F4}" srcOrd="0" destOrd="0" presId="urn:microsoft.com/office/officeart/2005/8/layout/vProcess5"/>
     <dgm:cxn modelId="{C856C71D-7D66-48F7-8A5A-43FE58F426F9}" srcId="{CD7942A0-B7D2-4B14-8FEA-55FC702F5BE7}" destId="{44BA1C69-5399-428D-B2A7-A8454DB908F6}" srcOrd="2" destOrd="0" parTransId="{24568ED8-B6B9-40CE-9EF1-D8371771847D}" sibTransId="{B72C029F-1186-43FB-8A59-3903D99A0C12}"/>
+    <dgm:cxn modelId="{C29AEBD5-74A7-4528-9519-6D36279CC557}" type="presOf" srcId="{CD7942A0-B7D2-4B14-8FEA-55FC702F5BE7}" destId="{1D84D8B6-AB32-4491-B5D2-EFE3D7668B88}" srcOrd="0" destOrd="0" presId="urn:microsoft.com/office/officeart/2005/8/layout/vProcess5"/>
     <dgm:cxn modelId="{7D1A942A-A361-4B15-8C75-BF3D0C2C97F2}" type="presOf" srcId="{44BA1C69-5399-428D-B2A7-A8454DB908F6}" destId="{2AE92D3F-F0FA-45DD-BB60-4C6FBC6BC016}" srcOrd="0" destOrd="0" presId="urn:microsoft.com/office/officeart/2005/8/layout/vProcess5"/>
-    <dgm:cxn modelId="{C29AEBD5-74A7-4528-9519-6D36279CC557}" type="presOf" srcId="{CD7942A0-B7D2-4B14-8FEA-55FC702F5BE7}" destId="{1D84D8B6-AB32-4491-B5D2-EFE3D7668B88}" srcOrd="0" destOrd="0" presId="urn:microsoft.com/office/officeart/2005/8/layout/vProcess5"/>
     <dgm:cxn modelId="{D1A4D8E6-F04E-4AB1-8D0C-63DC7AB1E81F}" srcId="{CD7942A0-B7D2-4B14-8FEA-55FC702F5BE7}" destId="{095A5E99-E976-4550-8F80-53CC813F2F5A}" srcOrd="0" destOrd="0" parTransId="{03339A0D-5DC0-4B29-8353-C5AEBFD4DE86}" sibTransId="{8877691F-1B60-4485-9174-DDEC7EE68B70}"/>
     <dgm:cxn modelId="{18DF9D4A-65EA-4B68-B7A2-3D4157FD4474}" type="presOf" srcId="{8EC937D8-BD76-4A12-A3E5-900D5C1E2E05}" destId="{CA544AF7-F7B2-4CA5-9251-B4CDB8D06634}" srcOrd="0" destOrd="0" presId="urn:microsoft.com/office/officeart/2005/8/layout/vProcess5"/>
     <dgm:cxn modelId="{1728CA9E-A1B7-4AAF-9DA9-5BFC85E5509D}" type="presOf" srcId="{B3EFD4A5-9FA1-4ABE-B722-05162509509B}" destId="{62643EF2-016C-41F1-8CBC-398422A85727}" srcOrd="0" destOrd="0" presId="urn:microsoft.com/office/officeart/2005/8/layout/vProcess5"/>
@@ -8044,9 +8044,9 @@
     <dgm:cxn modelId="{30C628FD-E0D0-4D41-B366-F198626AC73F}" type="presOf" srcId="{44BA1C69-5399-428D-B2A7-A8454DB908F6}" destId="{A31D264E-E285-4E5C-8EB7-762CD501BE72}" srcOrd="1" destOrd="0" presId="urn:microsoft.com/office/officeart/2005/8/layout/vProcess5"/>
     <dgm:cxn modelId="{E91A372C-3A09-460B-8677-8F509E11F565}" type="presOf" srcId="{8EC937D8-BD76-4A12-A3E5-900D5C1E2E05}" destId="{916C48CB-E452-4B79-A9B9-4C9A90B47960}" srcOrd="1" destOrd="0" presId="urn:microsoft.com/office/officeart/2005/8/layout/vProcess5"/>
     <dgm:cxn modelId="{66D18CFC-6E25-4847-A45D-8FB3134FBB0D}" type="presOf" srcId="{44BA1C69-5399-428D-B2A7-A8454DB908F6}" destId="{2AE92D3F-F0FA-45DD-BB60-4C6FBC6BC016}" srcOrd="0" destOrd="0" presId="urn:microsoft.com/office/officeart/2005/8/layout/vProcess5"/>
-    <dgm:cxn modelId="{D1A4D8E6-F04E-4AB1-8D0C-63DC7AB1E81F}" srcId="{CD7942A0-B7D2-4B14-8FEA-55FC702F5BE7}" destId="{095A5E99-E976-4550-8F80-53CC813F2F5A}" srcOrd="0" destOrd="0" parTransId="{03339A0D-5DC0-4B29-8353-C5AEBFD4DE86}" sibTransId="{8877691F-1B60-4485-9174-DDEC7EE68B70}"/>
     <dgm:cxn modelId="{9910D4F3-A74D-4D79-AD2E-15EE72D24727}" type="presOf" srcId="{CD7942A0-B7D2-4B14-8FEA-55FC702F5BE7}" destId="{1D84D8B6-AB32-4491-B5D2-EFE3D7668B88}" srcOrd="0" destOrd="0" presId="urn:microsoft.com/office/officeart/2005/8/layout/vProcess5"/>
     <dgm:cxn modelId="{E2FD0D59-C170-447C-B6CA-A9FA33CAECBE}" type="presOf" srcId="{095A5E99-E976-4550-8F80-53CC813F2F5A}" destId="{124EF20B-D98C-45B2-BB13-7B93B5373CEB}" srcOrd="0" destOrd="0" presId="urn:microsoft.com/office/officeart/2005/8/layout/vProcess5"/>
+    <dgm:cxn modelId="{D1A4D8E6-F04E-4AB1-8D0C-63DC7AB1E81F}" srcId="{CD7942A0-B7D2-4B14-8FEA-55FC702F5BE7}" destId="{095A5E99-E976-4550-8F80-53CC813F2F5A}" srcOrd="0" destOrd="0" parTransId="{03339A0D-5DC0-4B29-8353-C5AEBFD4DE86}" sibTransId="{8877691F-1B60-4485-9174-DDEC7EE68B70}"/>
     <dgm:cxn modelId="{9E04843E-0971-4D6D-A4AD-F3F3A5DBE7ED}" type="presOf" srcId="{B3EFD4A5-9FA1-4ABE-B722-05162509509B}" destId="{62643EF2-016C-41F1-8CBC-398422A85727}" srcOrd="0" destOrd="0" presId="urn:microsoft.com/office/officeart/2005/8/layout/vProcess5"/>
     <dgm:cxn modelId="{2A36904D-9080-4B73-8FA8-AC387F9E4335}" type="presOf" srcId="{8EC937D8-BD76-4A12-A3E5-900D5C1E2E05}" destId="{CA544AF7-F7B2-4CA5-9251-B4CDB8D06634}" srcOrd="0" destOrd="0" presId="urn:microsoft.com/office/officeart/2005/8/layout/vProcess5"/>
     <dgm:cxn modelId="{C4C647E0-7199-4180-AB28-89DADB0B4884}" type="presOf" srcId="{8877691F-1B60-4485-9174-DDEC7EE68B70}" destId="{9CA877D8-99F8-40A0-89E9-59A61C9A70F4}" srcOrd="0" destOrd="0" presId="urn:microsoft.com/office/officeart/2005/8/layout/vProcess5"/>
@@ -8361,17 +8361,17 @@
   </dgm:ptLst>
   <dgm:cxnLst>
     <dgm:cxn modelId="{3042CFC3-8278-418F-8BC0-B43DA8273492}" type="presOf" srcId="{8EC937D8-BD76-4A12-A3E5-900D5C1E2E05}" destId="{CA544AF7-F7B2-4CA5-9251-B4CDB8D06634}" srcOrd="0" destOrd="0" presId="urn:microsoft.com/office/officeart/2005/8/layout/vProcess5"/>
+    <dgm:cxn modelId="{D1A4D8E6-F04E-4AB1-8D0C-63DC7AB1E81F}" srcId="{CD7942A0-B7D2-4B14-8FEA-55FC702F5BE7}" destId="{095A5E99-E976-4550-8F80-53CC813F2F5A}" srcOrd="0" destOrd="0" parTransId="{03339A0D-5DC0-4B29-8353-C5AEBFD4DE86}" sibTransId="{8877691F-1B60-4485-9174-DDEC7EE68B70}"/>
+    <dgm:cxn modelId="{C7D206E7-ED1F-4EAD-AB97-C26AC15E6629}" type="presOf" srcId="{44BA1C69-5399-428D-B2A7-A8454DB908F6}" destId="{2AE92D3F-F0FA-45DD-BB60-4C6FBC6BC016}" srcOrd="0" destOrd="0" presId="urn:microsoft.com/office/officeart/2005/8/layout/vProcess5"/>
+    <dgm:cxn modelId="{2C120183-823F-40D1-84B2-80C580E015D8}" type="presOf" srcId="{CD7942A0-B7D2-4B14-8FEA-55FC702F5BE7}" destId="{1D84D8B6-AB32-4491-B5D2-EFE3D7668B88}" srcOrd="0" destOrd="0" presId="urn:microsoft.com/office/officeart/2005/8/layout/vProcess5"/>
+    <dgm:cxn modelId="{9A5B342E-0891-4785-8968-1F2B44A87175}" type="presOf" srcId="{095A5E99-E976-4550-8F80-53CC813F2F5A}" destId="{124EF20B-D98C-45B2-BB13-7B93B5373CEB}" srcOrd="0" destOrd="0" presId="urn:microsoft.com/office/officeart/2005/8/layout/vProcess5"/>
+    <dgm:cxn modelId="{B06313AE-C737-469A-8A6A-A62970E9C8B9}" type="presOf" srcId="{44BA1C69-5399-428D-B2A7-A8454DB908F6}" destId="{A31D264E-E285-4E5C-8EB7-762CD501BE72}" srcOrd="1" destOrd="0" presId="urn:microsoft.com/office/officeart/2005/8/layout/vProcess5"/>
+    <dgm:cxn modelId="{3198569F-691F-4F2C-9FD3-A22BB8B59061}" type="presOf" srcId="{8EC937D8-BD76-4A12-A3E5-900D5C1E2E05}" destId="{916C48CB-E452-4B79-A9B9-4C9A90B47960}" srcOrd="1" destOrd="0" presId="urn:microsoft.com/office/officeart/2005/8/layout/vProcess5"/>
+    <dgm:cxn modelId="{C856C71D-7D66-48F7-8A5A-43FE58F426F9}" srcId="{CD7942A0-B7D2-4B14-8FEA-55FC702F5BE7}" destId="{44BA1C69-5399-428D-B2A7-A8454DB908F6}" srcOrd="2" destOrd="0" parTransId="{24568ED8-B6B9-40CE-9EF1-D8371771847D}" sibTransId="{B72C029F-1186-43FB-8A59-3903D99A0C12}"/>
     <dgm:cxn modelId="{F0E484F5-AE75-4B93-B109-ABCEE0E49091}" type="presOf" srcId="{095A5E99-E976-4550-8F80-53CC813F2F5A}" destId="{7A2F6994-DA87-4497-BFC7-DD9D6EC5315F}" srcOrd="1" destOrd="0" presId="urn:microsoft.com/office/officeart/2005/8/layout/vProcess5"/>
-    <dgm:cxn modelId="{C856C71D-7D66-48F7-8A5A-43FE58F426F9}" srcId="{CD7942A0-B7D2-4B14-8FEA-55FC702F5BE7}" destId="{44BA1C69-5399-428D-B2A7-A8454DB908F6}" srcOrd="2" destOrd="0" parTransId="{24568ED8-B6B9-40CE-9EF1-D8371771847D}" sibTransId="{B72C029F-1186-43FB-8A59-3903D99A0C12}"/>
-    <dgm:cxn modelId="{9A5B342E-0891-4785-8968-1F2B44A87175}" type="presOf" srcId="{095A5E99-E976-4550-8F80-53CC813F2F5A}" destId="{124EF20B-D98C-45B2-BB13-7B93B5373CEB}" srcOrd="0" destOrd="0" presId="urn:microsoft.com/office/officeart/2005/8/layout/vProcess5"/>
-    <dgm:cxn modelId="{2C120183-823F-40D1-84B2-80C580E015D8}" type="presOf" srcId="{CD7942A0-B7D2-4B14-8FEA-55FC702F5BE7}" destId="{1D84D8B6-AB32-4491-B5D2-EFE3D7668B88}" srcOrd="0" destOrd="0" presId="urn:microsoft.com/office/officeart/2005/8/layout/vProcess5"/>
+    <dgm:cxn modelId="{43DC8383-AEE5-490C-A8E5-1F216F2B8FE6}" srcId="{CD7942A0-B7D2-4B14-8FEA-55FC702F5BE7}" destId="{8EC937D8-BD76-4A12-A3E5-900D5C1E2E05}" srcOrd="1" destOrd="0" parTransId="{8265EE85-9851-494E-A6D3-1CDACE947DF3}" sibTransId="{B3EFD4A5-9FA1-4ABE-B722-05162509509B}"/>
     <dgm:cxn modelId="{4B24CE4B-A54E-4324-A4CF-6E7B626286E0}" type="presOf" srcId="{8877691F-1B60-4485-9174-DDEC7EE68B70}" destId="{9CA877D8-99F8-40A0-89E9-59A61C9A70F4}" srcOrd="0" destOrd="0" presId="urn:microsoft.com/office/officeart/2005/8/layout/vProcess5"/>
-    <dgm:cxn modelId="{C7D206E7-ED1F-4EAD-AB97-C26AC15E6629}" type="presOf" srcId="{44BA1C69-5399-428D-B2A7-A8454DB908F6}" destId="{2AE92D3F-F0FA-45DD-BB60-4C6FBC6BC016}" srcOrd="0" destOrd="0" presId="urn:microsoft.com/office/officeart/2005/8/layout/vProcess5"/>
-    <dgm:cxn modelId="{B06313AE-C737-469A-8A6A-A62970E9C8B9}" type="presOf" srcId="{44BA1C69-5399-428D-B2A7-A8454DB908F6}" destId="{A31D264E-E285-4E5C-8EB7-762CD501BE72}" srcOrd="1" destOrd="0" presId="urn:microsoft.com/office/officeart/2005/8/layout/vProcess5"/>
     <dgm:cxn modelId="{1D0CBC1D-0416-4684-86EC-47EB224F8C9E}" type="presOf" srcId="{B3EFD4A5-9FA1-4ABE-B722-05162509509B}" destId="{62643EF2-016C-41F1-8CBC-398422A85727}" srcOrd="0" destOrd="0" presId="urn:microsoft.com/office/officeart/2005/8/layout/vProcess5"/>
-    <dgm:cxn modelId="{D1A4D8E6-F04E-4AB1-8D0C-63DC7AB1E81F}" srcId="{CD7942A0-B7D2-4B14-8FEA-55FC702F5BE7}" destId="{095A5E99-E976-4550-8F80-53CC813F2F5A}" srcOrd="0" destOrd="0" parTransId="{03339A0D-5DC0-4B29-8353-C5AEBFD4DE86}" sibTransId="{8877691F-1B60-4485-9174-DDEC7EE68B70}"/>
-    <dgm:cxn modelId="{3198569F-691F-4F2C-9FD3-A22BB8B59061}" type="presOf" srcId="{8EC937D8-BD76-4A12-A3E5-900D5C1E2E05}" destId="{916C48CB-E452-4B79-A9B9-4C9A90B47960}" srcOrd="1" destOrd="0" presId="urn:microsoft.com/office/officeart/2005/8/layout/vProcess5"/>
-    <dgm:cxn modelId="{43DC8383-AEE5-490C-A8E5-1F216F2B8FE6}" srcId="{CD7942A0-B7D2-4B14-8FEA-55FC702F5BE7}" destId="{8EC937D8-BD76-4A12-A3E5-900D5C1E2E05}" srcOrd="1" destOrd="0" parTransId="{8265EE85-9851-494E-A6D3-1CDACE947DF3}" sibTransId="{B3EFD4A5-9FA1-4ABE-B722-05162509509B}"/>
     <dgm:cxn modelId="{19D72082-A3F9-4C9F-950B-6673C0E57AC3}" type="presParOf" srcId="{1D84D8B6-AB32-4491-B5D2-EFE3D7668B88}" destId="{3E0E8213-E460-4EB7-9A92-C2B1CC553F0D}" srcOrd="0" destOrd="0" presId="urn:microsoft.com/office/officeart/2005/8/layout/vProcess5"/>
     <dgm:cxn modelId="{697E06E4-03AB-42E6-BF79-0D2FEEDA2E3E}" type="presParOf" srcId="{1D84D8B6-AB32-4491-B5D2-EFE3D7668B88}" destId="{124EF20B-D98C-45B2-BB13-7B93B5373CEB}" srcOrd="1" destOrd="0" presId="urn:microsoft.com/office/officeart/2005/8/layout/vProcess5"/>
     <dgm:cxn modelId="{1EA173A8-3316-42E9-B466-31569181C598}" type="presParOf" srcId="{1D84D8B6-AB32-4491-B5D2-EFE3D7668B88}" destId="{CA544AF7-F7B2-4CA5-9251-B4CDB8D06634}" srcOrd="2" destOrd="0" presId="urn:microsoft.com/office/officeart/2005/8/layout/vProcess5"/>
@@ -31917,7 +31917,9 @@
           </a:xfrm>
         </p:spPr>
         <p:txBody>
-          <a:bodyPr/>
+          <a:bodyPr>
+            <a:normAutofit/>
+          </a:bodyPr>
           <a:lstStyle/>
           <a:p>
             <a:pPr marL="609516" lvl="1" indent="-304770">
@@ -31935,44 +31937,25 @@
               <a:rPr lang="de-DE" dirty="0" err="1" smtClean="0">
                 <a:latin typeface="Calibri"/>
               </a:rPr>
-              <a:t>OpenSource</a:t>
+              <a:t>Popular</a:t>
             </a:r>
-            <a:endParaRPr lang="de-DE" sz="2400" b="0" i="0" dirty="0" smtClean="0">
-              <a:solidFill>
-                <a:schemeClr val="tx1"/>
-              </a:solidFill>
-              <a:latin typeface="Calibri"/>
-            </a:endParaRPr>
-          </a:p>
-          <a:p>
-            <a:pPr marL="609516" lvl="1" indent="-304770">
-              <a:spcBef>
-                <a:spcPts val="1600"/>
-              </a:spcBef>
-              <a:buClr>
-                <a:srgbClr val="009999"/>
-              </a:buClr>
-              <a:buSzPct val="100000"/>
-              <a:buFont typeface="Arial"/>
-              <a:buChar char="•"/>
-            </a:pPr>
             <a:r>
               <a:rPr lang="de-DE" dirty="0" smtClean="0">
                 <a:latin typeface="Calibri"/>
               </a:rPr>
-              <a:t>Powerful SQL-Extension </a:t>
+              <a:t> </a:t>
             </a:r>
             <a:r>
               <a:rPr lang="de-DE" dirty="0" err="1" smtClean="0">
                 <a:latin typeface="Calibri"/>
               </a:rPr>
-              <a:t>with</a:t>
+              <a:t>OpenSource</a:t>
             </a:r>
             <a:r>
               <a:rPr lang="de-DE" dirty="0" smtClean="0">
                 <a:latin typeface="Calibri"/>
               </a:rPr>
-              <a:t> PL/SQL</a:t>
+              <a:t> DBMS</a:t>
             </a:r>
           </a:p>
           <a:p>
@@ -32003,27 +31986,107 @@
               <a:rPr lang="de-DE" dirty="0" err="1" smtClean="0">
                 <a:latin typeface="Calibri"/>
               </a:rPr>
-              <a:t>Scalable</a:t>
+              <a:t>efficient</a:t>
             </a:r>
             <a:r>
-              <a:rPr lang="de-DE" sz="2400" b="0" i="0" dirty="0" smtClean="0">
+              <a:rPr lang="de-DE" dirty="0" smtClean="0">
+                <a:latin typeface="Calibri"/>
+              </a:rPr>
+              <a:t> </a:t>
+            </a:r>
+            <a:r>
+              <a:rPr lang="de-DE" dirty="0" err="1" smtClean="0">
+                <a:latin typeface="Calibri"/>
+              </a:rPr>
+              <a:t>NodeJS</a:t>
+            </a:r>
+            <a:endParaRPr lang="de-DE" dirty="0" smtClean="0">
+              <a:latin typeface="Calibri"/>
+            </a:endParaRPr>
+          </a:p>
+          <a:p>
+            <a:pPr marL="914263" lvl="2" indent="-304770">
+              <a:spcBef>
+                <a:spcPts val="1600"/>
+              </a:spcBef>
+              <a:buClr>
+                <a:srgbClr val="009999"/>
+              </a:buClr>
+              <a:buSzPct val="100000"/>
+              <a:buFont typeface="Arial"/>
+              <a:buChar char="•"/>
+            </a:pPr>
+            <a:r>
+              <a:rPr lang="de-DE" sz="2000" b="0" i="0" dirty="0" smtClean="0">
                 <a:solidFill>
                   <a:schemeClr val="tx1"/>
                 </a:solidFill>
                 <a:latin typeface="Calibri"/>
               </a:rPr>
-              <a:t> </a:t>
+              <a:t>Non </a:t>
             </a:r>
             <a:r>
-              <a:rPr lang="de-DE" sz="2400" b="0" i="0" dirty="0" err="1" smtClean="0">
+              <a:rPr lang="de-DE" sz="2000" b="0" i="0" dirty="0" err="1" smtClean="0">
                 <a:solidFill>
                   <a:schemeClr val="tx1"/>
                 </a:solidFill>
                 <a:latin typeface="Calibri"/>
               </a:rPr>
-              <a:t>architecture</a:t>
+              <a:t>blocking</a:t>
             </a:r>
-            <a:endParaRPr lang="de-DE" sz="2400" b="0" i="0" dirty="0" smtClean="0">
+            <a:r>
+              <a:rPr lang="de-DE" sz="2000" b="0" i="0" dirty="0" smtClean="0">
+                <a:solidFill>
+                  <a:schemeClr val="tx1"/>
+                </a:solidFill>
+                <a:latin typeface="Calibri"/>
+              </a:rPr>
+              <a:t> I/O </a:t>
+            </a:r>
+          </a:p>
+          <a:p>
+            <a:pPr marL="914263" lvl="2" indent="-304770">
+              <a:spcBef>
+                <a:spcPts val="1600"/>
+              </a:spcBef>
+              <a:buClr>
+                <a:srgbClr val="009999"/>
+              </a:buClr>
+              <a:buSzPct val="100000"/>
+              <a:buFont typeface="Arial"/>
+              <a:buChar char="•"/>
+            </a:pPr>
+            <a:r>
+              <a:rPr lang="de-DE" dirty="0" err="1" smtClean="0">
+                <a:latin typeface="Calibri"/>
+              </a:rPr>
+              <a:t>Scalable</a:t>
+            </a:r>
+            <a:r>
+              <a:rPr lang="de-DE" dirty="0" smtClean="0">
+                <a:latin typeface="Calibri"/>
+              </a:rPr>
+              <a:t> </a:t>
+            </a:r>
+            <a:r>
+              <a:rPr lang="de-DE" dirty="0" err="1" smtClean="0">
+                <a:latin typeface="Calibri"/>
+              </a:rPr>
+              <a:t>and</a:t>
+            </a:r>
+            <a:r>
+              <a:rPr lang="de-DE" dirty="0" smtClean="0">
+                <a:latin typeface="Calibri"/>
+              </a:rPr>
+              <a:t> High-</a:t>
+            </a:r>
+            <a:r>
+              <a:rPr lang="de-DE" dirty="0" err="1" smtClean="0">
+                <a:latin typeface="Calibri"/>
+              </a:rPr>
+              <a:t>Throughput</a:t>
+            </a:r>
+            <a:endParaRPr lang="de-DE" sz="2000" b="0" i="0" dirty="0" smtClean="0">
               <a:solidFill>
                 <a:schemeClr val="tx1"/>
               </a:solidFill>
@@ -32046,18 +32109,37 @@
               <a:rPr lang="de-DE" dirty="0" err="1" smtClean="0">
                 <a:latin typeface="Calibri"/>
               </a:rPr>
-              <a:t>Cheap</a:t>
+              <a:t>AngularJS</a:t>
             </a:r>
+            <a:endParaRPr lang="de-DE" dirty="0" smtClean="0">
+              <a:latin typeface="Calibri"/>
+            </a:endParaRPr>
+          </a:p>
+          <a:p>
+            <a:pPr marL="914263" lvl="2" indent="-304770">
+              <a:spcBef>
+                <a:spcPts val="1600"/>
+              </a:spcBef>
+              <a:buClr>
+                <a:srgbClr val="009999"/>
+              </a:buClr>
+              <a:buSzPct val="100000"/>
+              <a:buFont typeface="Arial"/>
+              <a:buChar char="•"/>
+            </a:pPr>
             <a:r>
               <a:rPr lang="de-DE" dirty="0" smtClean="0">
                 <a:latin typeface="Calibri"/>
               </a:rPr>
-              <a:t> Just 20000$</a:t>
+              <a:t>Single-Page-</a:t>
             </a:r>
-            <a:endParaRPr lang="de-DE" sz="2400" b="0" i="0" dirty="0" smtClean="0">
-              <a:solidFill>
-                <a:schemeClr val="tx1"/>
-              </a:solidFill>
+            <a:r>
+              <a:rPr lang="de-DE" dirty="0" err="1" smtClean="0">
+                <a:latin typeface="Calibri"/>
+              </a:rPr>
+              <a:t>Application</a:t>
+            </a:r>
+            <a:endParaRPr lang="de-DE" dirty="0" smtClean="0">
               <a:latin typeface="Calibri"/>
             </a:endParaRPr>
           </a:p>
@@ -32148,7 +32230,7 @@
                 </a:solidFill>
                 <a:latin typeface="Calibri"/>
               </a:rPr>
-              <a:t>Features </a:t>
+              <a:t>System </a:t>
             </a:r>
             <a:r>
               <a:rPr lang="de-DE" sz="3600" b="0" i="0" dirty="0" err="1" smtClean="0">
@@ -32157,16 +32239,7 @@
                 </a:solidFill>
                 <a:latin typeface="Calibri"/>
               </a:rPr>
-              <a:t>of</a:t>
-            </a:r>
-            <a:r>
-              <a:rPr lang="de-DE" sz="3600" b="0" i="0" dirty="0" smtClean="0">
-                <a:solidFill>
-                  <a:schemeClr val="tx1"/>
-                </a:solidFill>
-                <a:latin typeface="Calibri"/>
-              </a:rPr>
-              <a:t> the System</a:t>
+              <a:t>Overview</a:t>
             </a:r>
             <a:endParaRPr lang="de-DE" dirty="0"/>
           </a:p>
@@ -32491,7 +32564,25 @@
                 </a:solidFill>
                 <a:latin typeface="Calibri"/>
               </a:rPr>
-              <a:t> on </a:t>
+              <a:t> </a:t>
+            </a:r>
+            <a:r>
+              <a:rPr lang="de-DE" dirty="0" err="1" smtClean="0">
+                <a:solidFill>
+                  <a:schemeClr val="tx1"/>
+                </a:solidFill>
+                <a:latin typeface="Calibri"/>
+              </a:rPr>
+              <a:t>by</a:t>
+            </a:r>
+            <a:r>
+              <a:rPr lang="de-DE" dirty="0" smtClean="0">
+                <a:solidFill>
+                  <a:schemeClr val="tx1"/>
+                </a:solidFill>
+                <a:latin typeface="Calibri"/>
+              </a:rPr>
+              <a:t> </a:t>
             </a:r>
             <a:r>
               <a:rPr lang="de-DE" dirty="0" err="1" smtClean="0">
@@ -32616,32 +32707,47 @@
               <a:buChar char="•"/>
             </a:pPr>
             <a:r>
-              <a:rPr lang="de-DE" dirty="0">
+              <a:rPr lang="de-DE" dirty="0" smtClean="0">
                 <a:solidFill>
                   <a:schemeClr val="tx1"/>
                 </a:solidFill>
                 <a:latin typeface="Calibri"/>
               </a:rPr>
-              <a:t>SQL-</a:t>
+              <a:t>Basic </a:t>
             </a:r>
             <a:r>
-              <a:rPr lang="de-DE" dirty="0" err="1">
+              <a:rPr lang="de-DE" dirty="0" err="1" smtClean="0">
                 <a:solidFill>
                   <a:schemeClr val="tx1"/>
                 </a:solidFill>
                 <a:latin typeface="Calibri"/>
               </a:rPr>
-              <a:t>Injection</a:t>
+              <a:t>security</a:t>
             </a:r>
             <a:r>
-              <a:rPr lang="de-DE" dirty="0">
+              <a:rPr lang="de-DE" dirty="0" smtClean="0">
                 <a:solidFill>
                   <a:schemeClr val="tx1"/>
                 </a:solidFill>
                 <a:latin typeface="Calibri"/>
               </a:rPr>
-              <a:t>-Safe</a:t>
+              <a:t> </a:t>
             </a:r>
+            <a:r>
+              <a:rPr lang="de-DE" dirty="0" err="1" smtClean="0">
+                <a:solidFill>
+                  <a:schemeClr val="tx1"/>
+                </a:solidFill>
+                <a:latin typeface="Calibri"/>
+              </a:rPr>
+              <a:t>measures</a:t>
+            </a:r>
+            <a:endParaRPr lang="de-DE" dirty="0">
+              <a:solidFill>
+                <a:schemeClr val="tx1"/>
+              </a:solidFill>
+              <a:latin typeface="Calibri"/>
+            </a:endParaRPr>
           </a:p>
           <a:p>
             <a:pPr marL="609516" lvl="1" indent="-304770">
@@ -32830,6 +32936,36 @@
           </a:p>
         </p:txBody>
       </p:sp>
+      <p:pic>
+        <p:nvPicPr>
+          <p:cNvPr id="4" name="Grafik 3"/>
+          <p:cNvPicPr>
+            <a:picLocks noChangeAspect="1"/>
+          </p:cNvPicPr>
+          <p:nvPr/>
+        </p:nvPicPr>
+        <p:blipFill>
+          <a:blip r:embed="rId2">
+            <a:extLst>
+              <a:ext uri="{28A0092B-C50C-407E-A947-70E740481C1C}">
+                <a14:useLocalDpi xmlns:a14="http://schemas.microsoft.com/office/drawing/2010/main" val="0"/>
+              </a:ext>
+            </a:extLst>
+          </a:blip>
+          <a:stretch>
+            <a:fillRect/>
+          </a:stretch>
+        </p:blipFill>
+        <p:spPr>
+          <a:xfrm>
+            <a:off x="6399133" y="5085184"/>
+            <a:ext cx="1485900" cy="1485900"/>
+          </a:xfrm>
+          <a:prstGeom prst="rect">
+            <a:avLst/>
+          </a:prstGeom>
+        </p:spPr>
+      </p:pic>
     </p:spTree>
     <p:extLst>
       <p:ext uri="{BB962C8B-B14F-4D97-AF65-F5344CB8AC3E}">
@@ -32855,7 +32991,124 @@
   <p:timing>
     <p:tnLst>
       <p:par>
-        <p:cTn id="1" dur="indefinite" restart="never" nodeType="tmRoot"/>
+        <p:cTn id="1" dur="indefinite" restart="never" nodeType="tmRoot">
+          <p:childTnLst>
+            <p:seq concurrent="1" nextAc="seek">
+              <p:cTn id="2" dur="indefinite" nodeType="mainSeq">
+                <p:childTnLst>
+                  <p:par>
+                    <p:cTn id="3" fill="hold">
+                      <p:stCondLst>
+                        <p:cond delay="indefinite"/>
+                        <p:cond evt="onBegin" delay="0">
+                          <p:tn val="2"/>
+                        </p:cond>
+                      </p:stCondLst>
+                      <p:childTnLst>
+                        <p:par>
+                          <p:cTn id="4" fill="hold">
+                            <p:stCondLst>
+                              <p:cond delay="0"/>
+                            </p:stCondLst>
+                            <p:childTnLst>
+                              <p:par>
+                                <p:cTn id="5" presetID="2" presetClass="entr" presetSubtype="3" fill="hold" nodeType="withEffect">
+                                  <p:stCondLst>
+                                    <p:cond delay="2000"/>
+                                  </p:stCondLst>
+                                  <p:childTnLst>
+                                    <p:set>
+                                      <p:cBhvr>
+                                        <p:cTn id="6" dur="1" fill="hold">
+                                          <p:stCondLst>
+                                            <p:cond delay="0"/>
+                                          </p:stCondLst>
+                                        </p:cTn>
+                                        <p:tgtEl>
+                                          <p:spTgt spid="4"/>
+                                        </p:tgtEl>
+                                        <p:attrNameLst>
+                                          <p:attrName>style.visibility</p:attrName>
+                                        </p:attrNameLst>
+                                      </p:cBhvr>
+                                      <p:to>
+                                        <p:strVal val="visible"/>
+                                      </p:to>
+                                    </p:set>
+                                    <p:anim calcmode="lin" valueType="num">
+                                      <p:cBhvr additive="base">
+                                        <p:cTn id="7" dur="7000" fill="hold"/>
+                                        <p:tgtEl>
+                                          <p:spTgt spid="4"/>
+                                        </p:tgtEl>
+                                        <p:attrNameLst>
+                                          <p:attrName>ppt_x</p:attrName>
+                                        </p:attrNameLst>
+                                      </p:cBhvr>
+                                      <p:tavLst>
+                                        <p:tav tm="0">
+                                          <p:val>
+                                            <p:strVal val="1+#ppt_w/2"/>
+                                          </p:val>
+                                        </p:tav>
+                                        <p:tav tm="100000">
+                                          <p:val>
+                                            <p:strVal val="#ppt_x"/>
+                                          </p:val>
+                                        </p:tav>
+                                      </p:tavLst>
+                                    </p:anim>
+                                    <p:anim calcmode="lin" valueType="num">
+                                      <p:cBhvr additive="base">
+                                        <p:cTn id="8" dur="7000" fill="hold"/>
+                                        <p:tgtEl>
+                                          <p:spTgt spid="4"/>
+                                        </p:tgtEl>
+                                        <p:attrNameLst>
+                                          <p:attrName>ppt_y</p:attrName>
+                                        </p:attrNameLst>
+                                      </p:cBhvr>
+                                      <p:tavLst>
+                                        <p:tav tm="0">
+                                          <p:val>
+                                            <p:strVal val="0-#ppt_h/2"/>
+                                          </p:val>
+                                        </p:tav>
+                                        <p:tav tm="100000">
+                                          <p:val>
+                                            <p:strVal val="#ppt_y"/>
+                                          </p:val>
+                                        </p:tav>
+                                      </p:tavLst>
+                                    </p:anim>
+                                  </p:childTnLst>
+                                </p:cTn>
+                              </p:par>
+                            </p:childTnLst>
+                          </p:cTn>
+                        </p:par>
+                      </p:childTnLst>
+                    </p:cTn>
+                  </p:par>
+                </p:childTnLst>
+              </p:cTn>
+              <p:prevCondLst>
+                <p:cond evt="onPrev" delay="0">
+                  <p:tgtEl>
+                    <p:sldTgt/>
+                  </p:tgtEl>
+                </p:cond>
+              </p:prevCondLst>
+              <p:nextCondLst>
+                <p:cond evt="onNext" delay="0">
+                  <p:tgtEl>
+                    <p:sldTgt/>
+                  </p:tgtEl>
+                </p:cond>
+              </p:nextCondLst>
+            </p:seq>
+          </p:childTnLst>
+        </p:cTn>
       </p:par>
     </p:tnLst>
   </p:timing>
@@ -32863,467 +33116,6 @@
 </file>
 
 <file path=ppt/slides/slide4.xml><?xml version="1.0" encoding="utf-8"?>
-<p:sld xmlns:a="http://schemas.openxmlformats.org/drawingml/2006/main" xmlns:r="http://schemas.openxmlformats.org/officeDocument/2006/relationships" xmlns:p="http://schemas.openxmlformats.org/presentationml/2006/main">
-  <p:cSld>
-    <p:spTree>
-      <p:nvGrpSpPr>
-        <p:cNvPr id="1" name=""/>
-        <p:cNvGrpSpPr/>
-        <p:nvPr/>
-      </p:nvGrpSpPr>
-      <p:grpSpPr>
-        <a:xfrm>
-          <a:off x="0" y="0"/>
-          <a:ext cx="0" cy="0"/>
-          <a:chOff x="0" y="0"/>
-          <a:chExt cx="0" cy="0"/>
-        </a:xfrm>
-      </p:grpSpPr>
-      <p:sp>
-        <p:nvSpPr>
-          <p:cNvPr id="6" name="Titel 1"/>
-          <p:cNvSpPr>
-            <a:spLocks noGrp="1"/>
-          </p:cNvSpPr>
-          <p:nvPr>
-            <p:ph type="title"/>
-          </p:nvPr>
-        </p:nvSpPr>
-        <p:spPr>
-          <a:xfrm>
-            <a:off x="1218883" y="274637"/>
-            <a:ext cx="10360501" cy="1223963"/>
-          </a:xfrm>
-        </p:spPr>
-        <p:txBody>
-          <a:bodyPr/>
-          <a:lstStyle/>
-          <a:p>
-            <a:pPr algn="l" defTabSz="1218987">
-              <a:lnSpc>
-                <a:spcPct val="90000"/>
-              </a:lnSpc>
-              <a:spcBef>
-                <a:spcPct val="0"/>
-              </a:spcBef>
-              <a:buNone/>
-            </a:pPr>
-            <a:r>
-              <a:rPr lang="de-DE" sz="3600" b="0" i="0" dirty="0" smtClean="0">
-                <a:solidFill>
-                  <a:schemeClr val="tx1"/>
-                </a:solidFill>
-                <a:latin typeface="Calibri"/>
-              </a:rPr>
-              <a:t>Features </a:t>
-            </a:r>
-            <a:r>
-              <a:rPr lang="de-DE" sz="3600" b="0" i="0" dirty="0" err="1" smtClean="0">
-                <a:solidFill>
-                  <a:schemeClr val="tx1"/>
-                </a:solidFill>
-                <a:latin typeface="Calibri"/>
-              </a:rPr>
-              <a:t>of</a:t>
-            </a:r>
-            <a:r>
-              <a:rPr lang="de-DE" sz="3600" b="0" i="0" dirty="0" smtClean="0">
-                <a:solidFill>
-                  <a:schemeClr val="tx1"/>
-                </a:solidFill>
-                <a:latin typeface="Calibri"/>
-              </a:rPr>
-              <a:t> the System</a:t>
-            </a:r>
-            <a:endParaRPr lang="de-DE" dirty="0"/>
-          </a:p>
-        </p:txBody>
-      </p:sp>
-      <p:sp>
-        <p:nvSpPr>
-          <p:cNvPr id="8" name="Inhaltsplatzhalter 2"/>
-          <p:cNvSpPr txBox="1">
-            <a:spLocks/>
-          </p:cNvSpPr>
-          <p:nvPr/>
-        </p:nvSpPr>
-        <p:spPr>
-          <a:xfrm>
-            <a:off x="1218883" y="1706880"/>
-            <a:ext cx="6603721" cy="4465320"/>
-          </a:xfrm>
-          <a:prstGeom prst="rect">
-            <a:avLst/>
-          </a:prstGeom>
-        </p:spPr>
-        <p:txBody>
-          <a:bodyPr vert="horz" lIns="121899" tIns="60949" rIns="121899" bIns="60949" rtlCol="0" anchor="t">
-            <a:normAutofit/>
-          </a:bodyPr>
-          <a:lstStyle>
-            <a:lvl1pPr marL="0" indent="0" algn="l" defTabSz="1218987" rtl="0" eaLnBrk="1" latinLnBrk="0" hangingPunct="1">
-              <a:lnSpc>
-                <a:spcPct val="90000"/>
-              </a:lnSpc>
-              <a:spcBef>
-                <a:spcPts val="0"/>
-              </a:spcBef>
-              <a:buClr>
-                <a:schemeClr val="accent1"/>
-              </a:buClr>
-              <a:buSzPct val="100000"/>
-              <a:buFont typeface="Arial" pitchFamily="34" charset="0"/>
-              <a:buNone/>
-              <a:defRPr sz="2800" kern="1200" cap="all" spc="200" baseline="0">
-                <a:solidFill>
-                  <a:schemeClr val="accent1"/>
-                </a:solidFill>
-                <a:latin typeface="+mn-lt"/>
-                <a:ea typeface="+mn-ea"/>
-                <a:cs typeface="+mn-cs"/>
-              </a:defRPr>
-            </a:lvl1pPr>
-            <a:lvl2pPr marL="609493" indent="0" algn="l" defTabSz="1218987" rtl="0" eaLnBrk="1" latinLnBrk="0" hangingPunct="1">
-              <a:lnSpc>
-                <a:spcPct val="90000"/>
-              </a:lnSpc>
-              <a:spcBef>
-                <a:spcPts val="800"/>
-              </a:spcBef>
-              <a:buClr>
-                <a:schemeClr val="accent1"/>
-              </a:buClr>
-              <a:buSzPct val="80000"/>
-              <a:buFont typeface="Arial" pitchFamily="34" charset="0"/>
-              <a:buNone/>
-              <a:defRPr sz="2400" kern="1200">
-                <a:solidFill>
-                  <a:schemeClr val="tx1">
-                    <a:tint val="75000"/>
-                  </a:schemeClr>
-                </a:solidFill>
-                <a:latin typeface="+mn-lt"/>
-                <a:ea typeface="+mn-ea"/>
-                <a:cs typeface="+mn-cs"/>
-              </a:defRPr>
-            </a:lvl2pPr>
-            <a:lvl3pPr marL="1218987" indent="0" algn="l" defTabSz="1218987" rtl="0" eaLnBrk="1" latinLnBrk="0" hangingPunct="1">
-              <a:lnSpc>
-                <a:spcPct val="90000"/>
-              </a:lnSpc>
-              <a:spcBef>
-                <a:spcPts val="800"/>
-              </a:spcBef>
-              <a:buClr>
-                <a:schemeClr val="accent1"/>
-              </a:buClr>
-              <a:buSzPct val="80000"/>
-              <a:buFont typeface="Arial" pitchFamily="34" charset="0"/>
-              <a:buNone/>
-              <a:defRPr sz="2100" kern="1200">
-                <a:solidFill>
-                  <a:schemeClr val="tx1">
-                    <a:tint val="75000"/>
-                  </a:schemeClr>
-                </a:solidFill>
-                <a:latin typeface="+mn-lt"/>
-                <a:ea typeface="+mn-ea"/>
-                <a:cs typeface="+mn-cs"/>
-              </a:defRPr>
-            </a:lvl3pPr>
-            <a:lvl4pPr marL="1828480" indent="0" algn="l" defTabSz="1218987" rtl="0" eaLnBrk="1" latinLnBrk="0" hangingPunct="1">
-              <a:lnSpc>
-                <a:spcPct val="90000"/>
-              </a:lnSpc>
-              <a:spcBef>
-                <a:spcPts val="800"/>
-              </a:spcBef>
-              <a:buClr>
-                <a:schemeClr val="accent1"/>
-              </a:buClr>
-              <a:buSzPct val="80000"/>
-              <a:buFont typeface="Arial" pitchFamily="34" charset="0"/>
-              <a:buNone/>
-              <a:defRPr sz="1900" kern="1200">
-                <a:solidFill>
-                  <a:schemeClr val="tx1">
-                    <a:tint val="75000"/>
-                  </a:schemeClr>
-                </a:solidFill>
-                <a:latin typeface="+mn-lt"/>
-                <a:ea typeface="+mn-ea"/>
-                <a:cs typeface="+mn-cs"/>
-              </a:defRPr>
-            </a:lvl4pPr>
-            <a:lvl5pPr marL="2437973" indent="0" algn="l" defTabSz="1218987" rtl="0" eaLnBrk="1" latinLnBrk="0" hangingPunct="1">
-              <a:lnSpc>
-                <a:spcPct val="90000"/>
-              </a:lnSpc>
-              <a:spcBef>
-                <a:spcPts val="800"/>
-              </a:spcBef>
-              <a:buClr>
-                <a:schemeClr val="accent1"/>
-              </a:buClr>
-              <a:buSzPct val="80000"/>
-              <a:buFont typeface="Arial" pitchFamily="34" charset="0"/>
-              <a:buNone/>
-              <a:defRPr sz="1900" kern="1200">
-                <a:solidFill>
-                  <a:schemeClr val="tx1">
-                    <a:tint val="75000"/>
-                  </a:schemeClr>
-                </a:solidFill>
-                <a:latin typeface="+mn-lt"/>
-                <a:ea typeface="+mn-ea"/>
-                <a:cs typeface="+mn-cs"/>
-              </a:defRPr>
-            </a:lvl5pPr>
-            <a:lvl6pPr marL="3047467" indent="0" algn="l" defTabSz="1218987" rtl="0" eaLnBrk="1" latinLnBrk="0" hangingPunct="1">
-              <a:lnSpc>
-                <a:spcPct val="90000"/>
-              </a:lnSpc>
-              <a:spcBef>
-                <a:spcPts val="800"/>
-              </a:spcBef>
-              <a:buClr>
-                <a:schemeClr val="accent1"/>
-              </a:buClr>
-              <a:buSzPct val="80000"/>
-              <a:buFont typeface="Arial" pitchFamily="34" charset="0"/>
-              <a:buNone/>
-              <a:defRPr sz="1900" kern="1200">
-                <a:solidFill>
-                  <a:schemeClr val="tx1">
-                    <a:tint val="75000"/>
-                  </a:schemeClr>
-                </a:solidFill>
-                <a:latin typeface="+mn-lt"/>
-                <a:ea typeface="+mn-ea"/>
-                <a:cs typeface="+mn-cs"/>
-              </a:defRPr>
-            </a:lvl6pPr>
-            <a:lvl7pPr marL="3656960" indent="0" algn="l" defTabSz="1218987" rtl="0" eaLnBrk="1" latinLnBrk="0" hangingPunct="1">
-              <a:lnSpc>
-                <a:spcPct val="90000"/>
-              </a:lnSpc>
-              <a:spcBef>
-                <a:spcPts val="800"/>
-              </a:spcBef>
-              <a:buClr>
-                <a:schemeClr val="accent1"/>
-              </a:buClr>
-              <a:buSzPct val="80000"/>
-              <a:buFont typeface="Arial" pitchFamily="34" charset="0"/>
-              <a:buNone/>
-              <a:defRPr sz="1900" kern="1200">
-                <a:solidFill>
-                  <a:schemeClr val="tx1">
-                    <a:tint val="75000"/>
-                  </a:schemeClr>
-                </a:solidFill>
-                <a:latin typeface="+mn-lt"/>
-                <a:ea typeface="+mn-ea"/>
-                <a:cs typeface="+mn-cs"/>
-              </a:defRPr>
-            </a:lvl7pPr>
-            <a:lvl8pPr marL="4266453" indent="0" algn="l" defTabSz="1218987" rtl="0" eaLnBrk="1" latinLnBrk="0" hangingPunct="1">
-              <a:lnSpc>
-                <a:spcPct val="90000"/>
-              </a:lnSpc>
-              <a:spcBef>
-                <a:spcPts val="800"/>
-              </a:spcBef>
-              <a:buClr>
-                <a:schemeClr val="accent1"/>
-              </a:buClr>
-              <a:buSzPct val="80000"/>
-              <a:buFont typeface="Arial" pitchFamily="34" charset="0"/>
-              <a:buNone/>
-              <a:defRPr sz="1900" kern="1200" baseline="0">
-                <a:solidFill>
-                  <a:schemeClr val="tx1">
-                    <a:tint val="75000"/>
-                  </a:schemeClr>
-                </a:solidFill>
-                <a:latin typeface="+mn-lt"/>
-                <a:ea typeface="+mn-ea"/>
-                <a:cs typeface="+mn-cs"/>
-              </a:defRPr>
-            </a:lvl8pPr>
-            <a:lvl9pPr marL="4875947" indent="0" algn="l" defTabSz="1218987" rtl="0" eaLnBrk="1" latinLnBrk="0" hangingPunct="1">
-              <a:lnSpc>
-                <a:spcPct val="90000"/>
-              </a:lnSpc>
-              <a:spcBef>
-                <a:spcPts val="800"/>
-              </a:spcBef>
-              <a:buClr>
-                <a:schemeClr val="accent1"/>
-              </a:buClr>
-              <a:buSzPct val="80000"/>
-              <a:buFont typeface="Arial" pitchFamily="34" charset="0"/>
-              <a:buNone/>
-              <a:defRPr sz="1900" kern="1200" baseline="0">
-                <a:solidFill>
-                  <a:schemeClr val="tx1">
-                    <a:tint val="75000"/>
-                  </a:schemeClr>
-                </a:solidFill>
-                <a:latin typeface="+mn-lt"/>
-                <a:ea typeface="+mn-ea"/>
-                <a:cs typeface="+mn-cs"/>
-              </a:defRPr>
-            </a:lvl9pPr>
-          </a:lstStyle>
-          <a:p>
-            <a:pPr marL="23" indent="-304770">
-              <a:spcBef>
-                <a:spcPts val="1600"/>
-              </a:spcBef>
-              <a:buClr>
-                <a:srgbClr val="009999"/>
-              </a:buClr>
-              <a:buFont typeface="Arial"/>
-              <a:buChar char="•"/>
-            </a:pPr>
-            <a:r>
-              <a:rPr lang="de-DE" dirty="0" err="1" smtClean="0">
-                <a:latin typeface="Calibri"/>
-              </a:rPr>
-              <a:t>Cheap</a:t>
-            </a:r>
-            <a:endParaRPr lang="de-DE" dirty="0" smtClean="0">
-              <a:latin typeface="Calibri"/>
-            </a:endParaRPr>
-          </a:p>
-          <a:p>
-            <a:pPr marL="609516" lvl="1" indent="-304770">
-              <a:spcBef>
-                <a:spcPts val="1600"/>
-              </a:spcBef>
-              <a:buClr>
-                <a:srgbClr val="009999"/>
-              </a:buClr>
-              <a:buSzPct val="100000"/>
-              <a:buFont typeface="Arial"/>
-              <a:buChar char="•"/>
-            </a:pPr>
-            <a:r>
-              <a:rPr lang="de-DE" dirty="0" smtClean="0">
-                <a:solidFill>
-                  <a:schemeClr val="tx1"/>
-                </a:solidFill>
-                <a:latin typeface="Calibri"/>
-              </a:rPr>
-              <a:t>20.000 $ excl. VAT </a:t>
-            </a:r>
-            <a:r>
-              <a:rPr lang="de-DE" dirty="0" err="1" smtClean="0">
-                <a:solidFill>
-                  <a:schemeClr val="tx1"/>
-                </a:solidFill>
-                <a:latin typeface="Calibri"/>
-              </a:rPr>
-              <a:t>for</a:t>
-            </a:r>
-            <a:r>
-              <a:rPr lang="de-DE" dirty="0" smtClean="0">
-                <a:solidFill>
-                  <a:schemeClr val="tx1"/>
-                </a:solidFill>
-                <a:latin typeface="Calibri"/>
-              </a:rPr>
-              <a:t> the </a:t>
-            </a:r>
-            <a:r>
-              <a:rPr lang="de-DE" dirty="0" err="1" smtClean="0">
-                <a:solidFill>
-                  <a:schemeClr val="tx1"/>
-                </a:solidFill>
-                <a:latin typeface="Calibri"/>
-              </a:rPr>
-              <a:t>whole</a:t>
-            </a:r>
-            <a:r>
-              <a:rPr lang="de-DE" dirty="0" smtClean="0">
-                <a:solidFill>
-                  <a:schemeClr val="tx1"/>
-                </a:solidFill>
-                <a:latin typeface="Calibri"/>
-              </a:rPr>
-              <a:t> </a:t>
-            </a:r>
-            <a:r>
-              <a:rPr lang="de-DE" dirty="0" err="1" smtClean="0">
-                <a:solidFill>
-                  <a:schemeClr val="tx1"/>
-                </a:solidFill>
-                <a:latin typeface="Calibri"/>
-              </a:rPr>
-              <a:t>system</a:t>
-            </a:r>
-            <a:endParaRPr lang="de-DE" dirty="0" smtClean="0">
-              <a:solidFill>
-                <a:schemeClr val="tx1"/>
-              </a:solidFill>
-              <a:latin typeface="Calibri"/>
-            </a:endParaRPr>
-          </a:p>
-          <a:p>
-            <a:pPr marL="609516" lvl="1" indent="-304770">
-              <a:spcBef>
-                <a:spcPts val="1600"/>
-              </a:spcBef>
-              <a:buClr>
-                <a:srgbClr val="009999"/>
-              </a:buClr>
-              <a:buSzPct val="100000"/>
-              <a:buFont typeface="Arial"/>
-              <a:buChar char="•"/>
-            </a:pPr>
-            <a:endParaRPr lang="de-DE" dirty="0" smtClean="0">
-              <a:solidFill>
-                <a:schemeClr val="tx1"/>
-              </a:solidFill>
-              <a:latin typeface="Calibri"/>
-            </a:endParaRPr>
-          </a:p>
-        </p:txBody>
-      </p:sp>
-    </p:spTree>
-    <p:extLst>
-      <p:ext uri="{BB962C8B-B14F-4D97-AF65-F5344CB8AC3E}">
-        <p14:creationId xmlns:p14="http://schemas.microsoft.com/office/powerpoint/2010/main" val="2804175136"/>
-      </p:ext>
-    </p:extLst>
-  </p:cSld>
-  <p:clrMapOvr>
-    <a:masterClrMapping/>
-  </p:clrMapOvr>
-  <mc:AlternateContent xmlns:mc="http://schemas.openxmlformats.org/markup-compatibility/2006" xmlns:p14="http://schemas.microsoft.com/office/powerpoint/2010/main">
-    <mc:Choice Requires="p14">
-      <p:transition spd="med" p14:dur="700">
-        <p:fade/>
-      </p:transition>
-    </mc:Choice>
-    <mc:Fallback xmlns="">
-      <p:transition spd="med">
-        <p:fade/>
-      </p:transition>
-    </mc:Fallback>
-  </mc:AlternateContent>
-  <p:timing>
-    <p:tnLst>
-      <p:par>
-        <p:cTn id="1" dur="indefinite" restart="never" nodeType="tmRoot"/>
-      </p:par>
-    </p:tnLst>
-  </p:timing>
-</p:sld>
-</file>
-
-<file path=ppt/slides/slide5.xml><?xml version="1.0" encoding="utf-8"?>
 <p:sld xmlns:a="http://schemas.openxmlformats.org/drawingml/2006/main" xmlns:r="http://schemas.openxmlformats.org/officeDocument/2006/relationships" xmlns:p="http://schemas.openxmlformats.org/presentationml/2006/main">
   <p:cSld>
     <p:spTree>
@@ -33406,6 +33198,94 @@
     <p:extLst>
       <p:ext uri="{BB962C8B-B14F-4D97-AF65-F5344CB8AC3E}">
         <p14:creationId xmlns:p14="http://schemas.microsoft.com/office/powerpoint/2010/main" val="1484811712"/>
+      </p:ext>
+    </p:extLst>
+  </p:cSld>
+  <p:clrMapOvr>
+    <a:masterClrMapping/>
+  </p:clrMapOvr>
+  <mc:AlternateContent xmlns:mc="http://schemas.openxmlformats.org/markup-compatibility/2006" xmlns:p14="http://schemas.microsoft.com/office/powerpoint/2010/main">
+    <mc:Choice Requires="p14">
+      <p:transition spd="med" p14:dur="700">
+        <p:fade/>
+      </p:transition>
+    </mc:Choice>
+    <mc:Fallback xmlns="">
+      <p:transition spd="med">
+        <p:fade/>
+      </p:transition>
+    </mc:Fallback>
+  </mc:AlternateContent>
+  <p:timing>
+    <p:tnLst>
+      <p:par>
+        <p:cTn id="1" dur="indefinite" restart="never" nodeType="tmRoot"/>
+      </p:par>
+    </p:tnLst>
+  </p:timing>
+</p:sld>
+</file>
+
+<file path=ppt/slides/slide5.xml><?xml version="1.0" encoding="utf-8"?>
+<p:sld xmlns:a="http://schemas.openxmlformats.org/drawingml/2006/main" xmlns:r="http://schemas.openxmlformats.org/officeDocument/2006/relationships" xmlns:p="http://schemas.openxmlformats.org/presentationml/2006/main">
+  <p:cSld>
+    <p:spTree>
+      <p:nvGrpSpPr>
+        <p:cNvPr id="1" name=""/>
+        <p:cNvGrpSpPr/>
+        <p:nvPr/>
+      </p:nvGrpSpPr>
+      <p:grpSpPr>
+        <a:xfrm>
+          <a:off x="0" y="0"/>
+          <a:ext cx="0" cy="0"/>
+          <a:chOff x="0" y="0"/>
+          <a:chExt cx="0" cy="0"/>
+        </a:xfrm>
+      </p:grpSpPr>
+      <p:sp>
+        <p:nvSpPr>
+          <p:cNvPr id="6" name="Titel 1"/>
+          <p:cNvSpPr>
+            <a:spLocks noGrp="1"/>
+          </p:cNvSpPr>
+          <p:nvPr>
+            <p:ph type="title"/>
+          </p:nvPr>
+        </p:nvSpPr>
+        <p:spPr>
+          <a:xfrm>
+            <a:off x="1218883" y="274637"/>
+            <a:ext cx="10360501" cy="1223963"/>
+          </a:xfrm>
+        </p:spPr>
+        <p:txBody>
+          <a:bodyPr/>
+          <a:lstStyle/>
+          <a:p>
+            <a:pPr algn="l" defTabSz="1218987">
+              <a:lnSpc>
+                <a:spcPct val="90000"/>
+              </a:lnSpc>
+              <a:spcBef>
+                <a:spcPct val="0"/>
+              </a:spcBef>
+              <a:buNone/>
+            </a:pPr>
+            <a:r>
+              <a:rPr lang="de-DE" sz="3600" dirty="0" smtClean="0">
+                <a:latin typeface="Calibri"/>
+              </a:rPr>
+              <a:t>Live Demo</a:t>
+            </a:r>
+            <a:endParaRPr lang="de-DE" dirty="0"/>
+          </a:p>
+        </p:txBody>
+      </p:sp>
+    </p:spTree>
+    <p:extLst>
+      <p:ext uri="{BB962C8B-B14F-4D97-AF65-F5344CB8AC3E}">
+        <p14:creationId xmlns:p14="http://schemas.microsoft.com/office/powerpoint/2010/main" val="3592358530"/>
       </p:ext>
     </p:extLst>
   </p:cSld>
